--- a/Locations/Helmfield/Adventures/5 - The Flatcoat Circus Comes to Town/Flatcoat Circus Characters.pptx
+++ b/Locations/Helmfield/Adventures/5 - The Flatcoat Circus Comes to Town/Flatcoat Circus Characters.pptx
@@ -14,6 +14,7 @@
     <p:sldId id="259" r:id="rId9"/>
     <p:sldId id="260" r:id="rId10"/>
     <p:sldId id="261" r:id="rId11"/>
+    <p:sldId id="262" r:id="rId12"/>
   </p:sldIdLst>
   <p:sldSz cy="5143500" cx="9144000"/>
   <p:notesSz cx="6858000" cy="9144000"/>
@@ -933,7 +934,64 @@
               </a:rPr>
               <a:t>6 - Eke</a:t>
             </a:r>
-            <a:endParaRPr/>
+            <a:endParaRPr>
+              <a:solidFill>
+                <a:schemeClr val="dk1"/>
+              </a:solidFill>
+            </a:endParaRPr>
+          </a:p>
+          <a:p>
+            <a:pPr indent="0" lvl="0" marL="0" rtl="0" algn="l">
+              <a:spcBef>
+                <a:spcPts val="0"/>
+              </a:spcBef>
+              <a:spcAft>
+                <a:spcPts val="0"/>
+              </a:spcAft>
+              <a:buClr>
+                <a:schemeClr val="dk1"/>
+              </a:buClr>
+              <a:buSzPts val="1100"/>
+              <a:buFont typeface="Arial"/>
+              <a:buNone/>
+            </a:pPr>
+            <a:r>
+              <a:rPr lang="en">
+                <a:solidFill>
+                  <a:schemeClr val="dk1"/>
+                </a:solidFill>
+              </a:rPr>
+              <a:t>7 - Arveene Amblecrown</a:t>
+            </a:r>
+            <a:endParaRPr>
+              <a:solidFill>
+                <a:schemeClr val="dk1"/>
+              </a:solidFill>
+            </a:endParaRPr>
+          </a:p>
+          <a:p>
+            <a:pPr indent="0" lvl="0" marL="0" rtl="0" algn="l">
+              <a:spcBef>
+                <a:spcPts val="0"/>
+              </a:spcBef>
+              <a:spcAft>
+                <a:spcPts val="0"/>
+              </a:spcAft>
+              <a:buClr>
+                <a:schemeClr val="dk1"/>
+              </a:buClr>
+              <a:buSzPts val="1100"/>
+              <a:buFont typeface="Arial"/>
+              <a:buNone/>
+            </a:pPr>
+            <a:r>
+              <a:t/>
+            </a:r>
+            <a:endParaRPr>
+              <a:solidFill>
+                <a:schemeClr val="dk1"/>
+              </a:solidFill>
+            </a:endParaRPr>
           </a:p>
         </p:txBody>
       </p:sp>
@@ -1186,6 +1244,59 @@
                 </a:solidFill>
               </a:rPr>
               <a:t>6 - Eke</a:t>
+            </a:r>
+            <a:endParaRPr>
+              <a:solidFill>
+                <a:schemeClr val="dk1"/>
+              </a:solidFill>
+            </a:endParaRPr>
+          </a:p>
+          <a:p>
+            <a:pPr indent="0" lvl="0" marL="0" rtl="0" algn="l">
+              <a:spcBef>
+                <a:spcPts val="0"/>
+              </a:spcBef>
+              <a:spcAft>
+                <a:spcPts val="0"/>
+              </a:spcAft>
+              <a:buClr>
+                <a:schemeClr val="dk1"/>
+              </a:buClr>
+              <a:buSzPts val="1100"/>
+              <a:buFont typeface="Arial"/>
+              <a:buNone/>
+            </a:pPr>
+            <a:r>
+              <a:rPr lang="en">
+                <a:solidFill>
+                  <a:schemeClr val="dk1"/>
+                </a:solidFill>
+              </a:rPr>
+              <a:t>7 - Arveene Amblecrown</a:t>
+            </a:r>
+            <a:endParaRPr>
+              <a:solidFill>
+                <a:schemeClr val="dk1"/>
+              </a:solidFill>
+            </a:endParaRPr>
+          </a:p>
+          <a:p>
+            <a:pPr indent="0" lvl="0" marL="0" rtl="0" algn="l">
+              <a:spcBef>
+                <a:spcPts val="0"/>
+              </a:spcBef>
+              <a:spcAft>
+                <a:spcPts val="0"/>
+              </a:spcAft>
+              <a:buClr>
+                <a:schemeClr val="dk1"/>
+              </a:buClr>
+              <a:buSzPts val="1100"/>
+              <a:buFont typeface="Arial"/>
+              <a:buNone/>
+            </a:pPr>
+            <a:r>
+              <a:t/>
             </a:r>
             <a:endParaRPr>
               <a:solidFill>
@@ -1445,7 +1556,64 @@
               </a:rPr>
               <a:t>6 - Eke</a:t>
             </a:r>
-            <a:endParaRPr/>
+            <a:endParaRPr>
+              <a:solidFill>
+                <a:schemeClr val="dk1"/>
+              </a:solidFill>
+            </a:endParaRPr>
+          </a:p>
+          <a:p>
+            <a:pPr indent="0" lvl="0" marL="0" rtl="0" algn="l">
+              <a:spcBef>
+                <a:spcPts val="0"/>
+              </a:spcBef>
+              <a:spcAft>
+                <a:spcPts val="0"/>
+              </a:spcAft>
+              <a:buClr>
+                <a:schemeClr val="dk1"/>
+              </a:buClr>
+              <a:buSzPts val="1100"/>
+              <a:buFont typeface="Arial"/>
+              <a:buNone/>
+            </a:pPr>
+            <a:r>
+              <a:rPr lang="en">
+                <a:solidFill>
+                  <a:schemeClr val="dk1"/>
+                </a:solidFill>
+              </a:rPr>
+              <a:t>7 - Arveene Amblecrown</a:t>
+            </a:r>
+            <a:endParaRPr>
+              <a:solidFill>
+                <a:schemeClr val="dk1"/>
+              </a:solidFill>
+            </a:endParaRPr>
+          </a:p>
+          <a:p>
+            <a:pPr indent="0" lvl="0" marL="0" rtl="0" algn="l">
+              <a:spcBef>
+                <a:spcPts val="0"/>
+              </a:spcBef>
+              <a:spcAft>
+                <a:spcPts val="0"/>
+              </a:spcAft>
+              <a:buClr>
+                <a:schemeClr val="dk1"/>
+              </a:buClr>
+              <a:buSzPts val="1100"/>
+              <a:buFont typeface="Arial"/>
+              <a:buNone/>
+            </a:pPr>
+            <a:r>
+              <a:t/>
+            </a:r>
+            <a:endParaRPr>
+              <a:solidFill>
+                <a:schemeClr val="dk1"/>
+              </a:solidFill>
+            </a:endParaRPr>
           </a:p>
         </p:txBody>
       </p:sp>
@@ -1698,6 +1866,59 @@
                 </a:solidFill>
               </a:rPr>
               <a:t>6 - Eke</a:t>
+            </a:r>
+            <a:endParaRPr>
+              <a:solidFill>
+                <a:schemeClr val="dk1"/>
+              </a:solidFill>
+            </a:endParaRPr>
+          </a:p>
+          <a:p>
+            <a:pPr indent="0" lvl="0" marL="0" rtl="0" algn="l">
+              <a:spcBef>
+                <a:spcPts val="0"/>
+              </a:spcBef>
+              <a:spcAft>
+                <a:spcPts val="0"/>
+              </a:spcAft>
+              <a:buClr>
+                <a:schemeClr val="dk1"/>
+              </a:buClr>
+              <a:buSzPts val="1100"/>
+              <a:buFont typeface="Arial"/>
+              <a:buNone/>
+            </a:pPr>
+            <a:r>
+              <a:rPr lang="en">
+                <a:solidFill>
+                  <a:schemeClr val="dk1"/>
+                </a:solidFill>
+              </a:rPr>
+              <a:t>7 - Arveene Amblecrown</a:t>
+            </a:r>
+            <a:endParaRPr>
+              <a:solidFill>
+                <a:schemeClr val="dk1"/>
+              </a:solidFill>
+            </a:endParaRPr>
+          </a:p>
+          <a:p>
+            <a:pPr indent="0" lvl="0" marL="0" rtl="0" algn="l">
+              <a:spcBef>
+                <a:spcPts val="0"/>
+              </a:spcBef>
+              <a:spcAft>
+                <a:spcPts val="0"/>
+              </a:spcAft>
+              <a:buClr>
+                <a:schemeClr val="dk1"/>
+              </a:buClr>
+              <a:buSzPts val="1100"/>
+              <a:buFont typeface="Arial"/>
+              <a:buNone/>
+            </a:pPr>
+            <a:r>
+              <a:t/>
             </a:r>
             <a:endParaRPr>
               <a:solidFill>
@@ -1963,6 +2184,59 @@
               </a:solidFill>
             </a:endParaRPr>
           </a:p>
+          <a:p>
+            <a:pPr indent="0" lvl="0" marL="0" rtl="0" algn="l">
+              <a:spcBef>
+                <a:spcPts val="0"/>
+              </a:spcBef>
+              <a:spcAft>
+                <a:spcPts val="0"/>
+              </a:spcAft>
+              <a:buClr>
+                <a:schemeClr val="dk1"/>
+              </a:buClr>
+              <a:buSzPts val="1100"/>
+              <a:buFont typeface="Arial"/>
+              <a:buNone/>
+            </a:pPr>
+            <a:r>
+              <a:rPr lang="en">
+                <a:solidFill>
+                  <a:schemeClr val="dk1"/>
+                </a:solidFill>
+              </a:rPr>
+              <a:t>7 - Arveene Amblecrown</a:t>
+            </a:r>
+            <a:endParaRPr>
+              <a:solidFill>
+                <a:schemeClr val="dk1"/>
+              </a:solidFill>
+            </a:endParaRPr>
+          </a:p>
+          <a:p>
+            <a:pPr indent="0" lvl="0" marL="0" rtl="0" algn="l">
+              <a:spcBef>
+                <a:spcPts val="0"/>
+              </a:spcBef>
+              <a:spcAft>
+                <a:spcPts val="0"/>
+              </a:spcAft>
+              <a:buClr>
+                <a:schemeClr val="dk1"/>
+              </a:buClr>
+              <a:buSzPts val="1100"/>
+              <a:buFont typeface="Arial"/>
+              <a:buNone/>
+            </a:pPr>
+            <a:r>
+              <a:t/>
+            </a:r>
+            <a:endParaRPr>
+              <a:solidFill>
+                <a:schemeClr val="dk1"/>
+              </a:solidFill>
+            </a:endParaRPr>
+          </a:p>
         </p:txBody>
       </p:sp>
     </p:spTree>
@@ -2214,6 +2488,346 @@
                 </a:solidFill>
               </a:rPr>
               <a:t>6 - Eke</a:t>
+            </a:r>
+            <a:endParaRPr>
+              <a:solidFill>
+                <a:schemeClr val="dk1"/>
+              </a:solidFill>
+            </a:endParaRPr>
+          </a:p>
+          <a:p>
+            <a:pPr indent="0" lvl="0" marL="0" rtl="0" algn="l">
+              <a:spcBef>
+                <a:spcPts val="0"/>
+              </a:spcBef>
+              <a:spcAft>
+                <a:spcPts val="0"/>
+              </a:spcAft>
+              <a:buClr>
+                <a:schemeClr val="dk1"/>
+              </a:buClr>
+              <a:buSzPts val="1100"/>
+              <a:buFont typeface="Arial"/>
+              <a:buNone/>
+            </a:pPr>
+            <a:r>
+              <a:rPr lang="en">
+                <a:solidFill>
+                  <a:schemeClr val="dk1"/>
+                </a:solidFill>
+              </a:rPr>
+              <a:t>7 - Arveene Amblecrown</a:t>
+            </a:r>
+            <a:endParaRPr>
+              <a:solidFill>
+                <a:schemeClr val="dk1"/>
+              </a:solidFill>
+            </a:endParaRPr>
+          </a:p>
+          <a:p>
+            <a:pPr indent="0" lvl="0" marL="0" rtl="0" algn="l">
+              <a:spcBef>
+                <a:spcPts val="0"/>
+              </a:spcBef>
+              <a:spcAft>
+                <a:spcPts val="0"/>
+              </a:spcAft>
+              <a:buClr>
+                <a:schemeClr val="dk1"/>
+              </a:buClr>
+              <a:buSzPts val="1100"/>
+              <a:buFont typeface="Arial"/>
+              <a:buNone/>
+            </a:pPr>
+            <a:r>
+              <a:t/>
+            </a:r>
+            <a:endParaRPr>
+              <a:solidFill>
+                <a:schemeClr val="dk1"/>
+              </a:solidFill>
+            </a:endParaRPr>
+          </a:p>
+        </p:txBody>
+      </p:sp>
+    </p:spTree>
+  </p:cSld>
+  <p:clrMapOvr>
+    <a:masterClrMapping/>
+  </p:clrMapOvr>
+</p:notes>
+</file>
+
+<file path=ppt/notesSlides/notesSlide7.xml><?xml version="1.0" encoding="utf-8"?>
+<p:notes xmlns:a="http://schemas.openxmlformats.org/drawingml/2006/main" xmlns:r="http://schemas.openxmlformats.org/officeDocument/2006/relationships" xmlns:mc="http://schemas.openxmlformats.org/markup-compatibility/2006" xmlns:mv="urn:schemas-microsoft-com:mac:vml" xmlns:p="http://schemas.openxmlformats.org/presentationml/2006/main" xmlns:c="http://schemas.openxmlformats.org/drawingml/2006/chart" xmlns:dgm="http://schemas.openxmlformats.org/drawingml/2006/diagram" xmlns:o="urn:schemas-microsoft-com:office:office" xmlns:v="urn:schemas-microsoft-com:vml" xmlns:pvml="urn:schemas-microsoft-com:office:powerpoint" xmlns:com="http://schemas.openxmlformats.org/drawingml/2006/compatibility" xmlns:p14="http://schemas.microsoft.com/office/powerpoint/2010/main" xmlns:p15="http://schemas.microsoft.com/office/powerpoint/2012/main" xmlns:ahyp="http://schemas.microsoft.com/office/drawing/2018/hyperlinkcolor" showMasterPhAnim="0" showMasterSp="0">
+  <p:cSld>
+    <p:spTree>
+      <p:nvGrpSpPr>
+        <p:cNvPr id="81" name="Shape 81"/>
+        <p:cNvGrpSpPr/>
+        <p:nvPr/>
+      </p:nvGrpSpPr>
+      <p:grpSpPr>
+        <a:xfrm>
+          <a:off x="0" y="0"/>
+          <a:ext cx="0" cy="0"/>
+          <a:chOff x="0" y="0"/>
+          <a:chExt cx="0" cy="0"/>
+        </a:xfrm>
+      </p:grpSpPr>
+      <p:sp>
+        <p:nvSpPr>
+          <p:cNvPr id="82" name="Google Shape;82;g186f1b6a073_0_0:notes"/>
+          <p:cNvSpPr/>
+          <p:nvPr>
+            <p:ph idx="2" type="sldImg"/>
+          </p:nvPr>
+        </p:nvSpPr>
+        <p:spPr>
+          <a:xfrm>
+            <a:off x="381300" y="685800"/>
+            <a:ext cx="6096000" cy="3429000"/>
+          </a:xfrm>
+          <a:custGeom>
+            <a:rect b="b" l="l" r="r" t="t"/>
+            <a:pathLst>
+              <a:path extrusionOk="0" h="120000" w="120000">
+                <a:moveTo>
+                  <a:pt x="0" y="0"/>
+                </a:moveTo>
+                <a:lnTo>
+                  <a:pt x="120000" y="0"/>
+                </a:lnTo>
+                <a:lnTo>
+                  <a:pt x="120000" y="120000"/>
+                </a:lnTo>
+                <a:lnTo>
+                  <a:pt x="0" y="120000"/>
+                </a:lnTo>
+                <a:close/>
+              </a:path>
+            </a:pathLst>
+          </a:custGeom>
+        </p:spPr>
+      </p:sp>
+      <p:sp>
+        <p:nvSpPr>
+          <p:cNvPr id="83" name="Google Shape;83;g186f1b6a073_0_0:notes"/>
+          <p:cNvSpPr txBox="1"/>
+          <p:nvPr>
+            <p:ph idx="1" type="body"/>
+          </p:nvPr>
+        </p:nvSpPr>
+        <p:spPr>
+          <a:xfrm>
+            <a:off x="685800" y="4343400"/>
+            <a:ext cx="5486400" cy="4114800"/>
+          </a:xfrm>
+          <a:prstGeom prst="rect">
+            <a:avLst/>
+          </a:prstGeom>
+        </p:spPr>
+        <p:txBody>
+          <a:bodyPr anchorCtr="0" anchor="t" bIns="91425" lIns="91425" spcFirstLastPara="1" rIns="91425" wrap="square" tIns="91425">
+            <a:noAutofit/>
+          </a:bodyPr>
+          <a:lstStyle/>
+          <a:p>
+            <a:pPr indent="0" lvl="0" marL="0" rtl="0" algn="l">
+              <a:spcBef>
+                <a:spcPts val="0"/>
+              </a:spcBef>
+              <a:spcAft>
+                <a:spcPts val="0"/>
+              </a:spcAft>
+              <a:buClr>
+                <a:schemeClr val="dk1"/>
+              </a:buClr>
+              <a:buSzPts val="1100"/>
+              <a:buFont typeface="Arial"/>
+              <a:buNone/>
+            </a:pPr>
+            <a:r>
+              <a:rPr lang="en">
+                <a:solidFill>
+                  <a:schemeClr val="dk1"/>
+                </a:solidFill>
+              </a:rPr>
+              <a:t>1 - Antinua Dankil</a:t>
+            </a:r>
+            <a:endParaRPr>
+              <a:solidFill>
+                <a:schemeClr val="dk1"/>
+              </a:solidFill>
+            </a:endParaRPr>
+          </a:p>
+          <a:p>
+            <a:pPr indent="0" lvl="0" marL="0" rtl="0" algn="l">
+              <a:spcBef>
+                <a:spcPts val="0"/>
+              </a:spcBef>
+              <a:spcAft>
+                <a:spcPts val="0"/>
+              </a:spcAft>
+              <a:buClr>
+                <a:schemeClr val="dk1"/>
+              </a:buClr>
+              <a:buSzPts val="1100"/>
+              <a:buFont typeface="Arial"/>
+              <a:buNone/>
+            </a:pPr>
+            <a:r>
+              <a:rPr lang="en">
+                <a:solidFill>
+                  <a:schemeClr val="dk1"/>
+                </a:solidFill>
+              </a:rPr>
+              <a:t>2 - Adrik Dankil</a:t>
+            </a:r>
+            <a:endParaRPr>
+              <a:solidFill>
+                <a:schemeClr val="dk1"/>
+              </a:solidFill>
+            </a:endParaRPr>
+          </a:p>
+          <a:p>
+            <a:pPr indent="0" lvl="0" marL="0" rtl="0" algn="l">
+              <a:spcBef>
+                <a:spcPts val="0"/>
+              </a:spcBef>
+              <a:spcAft>
+                <a:spcPts val="0"/>
+              </a:spcAft>
+              <a:buClr>
+                <a:schemeClr val="dk1"/>
+              </a:buClr>
+              <a:buSzPts val="1100"/>
+              <a:buFont typeface="Arial"/>
+              <a:buNone/>
+            </a:pPr>
+            <a:r>
+              <a:rPr lang="en">
+                <a:solidFill>
+                  <a:schemeClr val="dk1"/>
+                </a:solidFill>
+              </a:rPr>
+              <a:t>3 - Adrik’s Animals</a:t>
+            </a:r>
+            <a:endParaRPr>
+              <a:solidFill>
+                <a:schemeClr val="dk1"/>
+              </a:solidFill>
+            </a:endParaRPr>
+          </a:p>
+          <a:p>
+            <a:pPr indent="0" lvl="0" marL="0" rtl="0" algn="l">
+              <a:spcBef>
+                <a:spcPts val="0"/>
+              </a:spcBef>
+              <a:spcAft>
+                <a:spcPts val="0"/>
+              </a:spcAft>
+              <a:buClr>
+                <a:schemeClr val="dk1"/>
+              </a:buClr>
+              <a:buSzPts val="1100"/>
+              <a:buFont typeface="Arial"/>
+              <a:buNone/>
+            </a:pPr>
+            <a:r>
+              <a:rPr lang="en">
+                <a:solidFill>
+                  <a:schemeClr val="dk1"/>
+                </a:solidFill>
+              </a:rPr>
+              <a:t>4 - Myev</a:t>
+            </a:r>
+            <a:endParaRPr>
+              <a:solidFill>
+                <a:schemeClr val="dk1"/>
+              </a:solidFill>
+            </a:endParaRPr>
+          </a:p>
+          <a:p>
+            <a:pPr indent="0" lvl="0" marL="0" rtl="0" algn="l">
+              <a:spcBef>
+                <a:spcPts val="0"/>
+              </a:spcBef>
+              <a:spcAft>
+                <a:spcPts val="0"/>
+              </a:spcAft>
+              <a:buClr>
+                <a:schemeClr val="dk1"/>
+              </a:buClr>
+              <a:buSzPts val="1100"/>
+              <a:buFont typeface="Arial"/>
+              <a:buNone/>
+            </a:pPr>
+            <a:r>
+              <a:rPr lang="en">
+                <a:solidFill>
+                  <a:schemeClr val="dk1"/>
+                </a:solidFill>
+              </a:rPr>
+              <a:t>5 - Ander High-Hill &amp; Milo Silvereyes</a:t>
+            </a:r>
+            <a:endParaRPr>
+              <a:solidFill>
+                <a:schemeClr val="dk1"/>
+              </a:solidFill>
+            </a:endParaRPr>
+          </a:p>
+          <a:p>
+            <a:pPr indent="0" lvl="0" marL="0" rtl="0" algn="l">
+              <a:spcBef>
+                <a:spcPts val="0"/>
+              </a:spcBef>
+              <a:spcAft>
+                <a:spcPts val="0"/>
+              </a:spcAft>
+              <a:buClr>
+                <a:schemeClr val="dk1"/>
+              </a:buClr>
+              <a:buSzPts val="1100"/>
+              <a:buFont typeface="Arial"/>
+              <a:buNone/>
+            </a:pPr>
+            <a:r>
+              <a:rPr lang="en">
+                <a:solidFill>
+                  <a:schemeClr val="dk1"/>
+                </a:solidFill>
+              </a:rPr>
+              <a:t>6 - Eke</a:t>
+            </a:r>
+            <a:endParaRPr>
+              <a:solidFill>
+                <a:schemeClr val="dk1"/>
+              </a:solidFill>
+            </a:endParaRPr>
+          </a:p>
+          <a:p>
+            <a:pPr indent="0" lvl="0" marL="0" rtl="0" algn="l">
+              <a:spcBef>
+                <a:spcPts val="0"/>
+              </a:spcBef>
+              <a:spcAft>
+                <a:spcPts val="0"/>
+              </a:spcAft>
+              <a:buClr>
+                <a:schemeClr val="dk1"/>
+              </a:buClr>
+              <a:buSzPts val="1100"/>
+              <a:buFont typeface="Arial"/>
+              <a:buNone/>
+            </a:pPr>
+            <a:r>
+              <a:rPr lang="en">
+                <a:solidFill>
+                  <a:schemeClr val="dk1"/>
+                </a:solidFill>
+              </a:rPr>
+              <a:t>7 - Arveene Amblecrown</a:t>
             </a:r>
             <a:endParaRPr>
               <a:solidFill>
@@ -7288,6 +7902,59 @@
 </p:sld>
 </file>
 
+<file path=ppt/slides/slide7.xml><?xml version="1.0" encoding="utf-8"?>
+<p:sld xmlns:a="http://schemas.openxmlformats.org/drawingml/2006/main" xmlns:r="http://schemas.openxmlformats.org/officeDocument/2006/relationships" xmlns:mc="http://schemas.openxmlformats.org/markup-compatibility/2006" xmlns:mv="urn:schemas-microsoft-com:mac:vml" xmlns:p="http://schemas.openxmlformats.org/presentationml/2006/main" xmlns:c="http://schemas.openxmlformats.org/drawingml/2006/chart" xmlns:dgm="http://schemas.openxmlformats.org/drawingml/2006/diagram" xmlns:o="urn:schemas-microsoft-com:office:office" xmlns:v="urn:schemas-microsoft-com:vml" xmlns:pvml="urn:schemas-microsoft-com:office:powerpoint" xmlns:com="http://schemas.openxmlformats.org/drawingml/2006/compatibility" xmlns:p14="http://schemas.microsoft.com/office/powerpoint/2010/main" xmlns:p15="http://schemas.microsoft.com/office/powerpoint/2012/main" xmlns:ahyp="http://schemas.microsoft.com/office/drawing/2018/hyperlinkcolor">
+  <p:cSld>
+    <p:spTree>
+      <p:nvGrpSpPr>
+        <p:cNvPr id="84" name="Shape 84"/>
+        <p:cNvGrpSpPr/>
+        <p:nvPr/>
+      </p:nvGrpSpPr>
+      <p:grpSpPr>
+        <a:xfrm>
+          <a:off x="0" y="0"/>
+          <a:ext cx="0" cy="0"/>
+          <a:chOff x="0" y="0"/>
+          <a:chExt cx="0" cy="0"/>
+        </a:xfrm>
+      </p:grpSpPr>
+      <p:pic>
+        <p:nvPicPr>
+          <p:cNvPr id="85" name="Google Shape;85;p19"/>
+          <p:cNvPicPr preferRelativeResize="0"/>
+          <p:nvPr/>
+        </p:nvPicPr>
+        <p:blipFill>
+          <a:blip r:embed="rId3">
+            <a:alphaModFix/>
+          </a:blip>
+          <a:stretch>
+            <a:fillRect/>
+          </a:stretch>
+        </p:blipFill>
+        <p:spPr>
+          <a:xfrm>
+            <a:off x="2842825" y="111125"/>
+            <a:ext cx="3458351" cy="4921250"/>
+          </a:xfrm>
+          <a:prstGeom prst="rect">
+            <a:avLst/>
+          </a:prstGeom>
+          <a:noFill/>
+          <a:ln>
+            <a:noFill/>
+          </a:ln>
+        </p:spPr>
+      </p:pic>
+    </p:spTree>
+  </p:cSld>
+  <p:clrMapOvr>
+    <a:masterClrMapping/>
+  </p:clrMapOvr>
+</p:sld>
+</file>
+
 <file path=ppt/theme/theme1.xml><?xml version="1.0" encoding="utf-8"?>
 <a:theme xmlns:a="http://schemas.openxmlformats.org/drawingml/2006/main" xmlns:r="http://schemas.openxmlformats.org/officeDocument/2006/relationships" name="Simple Dark">
   <a:themeElements>
